--- a/slides/10802/Python進階程式設計/[W6] Association Rule Learning and Exercises.pptx
+++ b/slides/10802/Python進階程式設計/[W6] Association Rule Learning and Exercises.pptx
@@ -144,7 +144,18 @@
   </p:defaultTextStyle>
   <p:extLst>
     <p:ext uri="{EFAFB233-063F-42B5-8137-9DF3F51BA10A}">
-      <p15:sldGuideLst xmlns="" xmlns:p15="http://schemas.microsoft.com/office/powerpoint/2012/main"/>
+      <p15:sldGuideLst xmlns:p15="http://schemas.microsoft.com/office/powerpoint/2012/main">
+        <p15:guide id="1" orient="horz" pos="2160">
+          <p15:clr>
+            <a:srgbClr val="A4A3A4"/>
+          </p15:clr>
+        </p15:guide>
+        <p15:guide id="2" pos="3840">
+          <p15:clr>
+            <a:srgbClr val="A4A3A4"/>
+          </p15:clr>
+        </p15:guide>
+      </p15:sldGuideLst>
     </p:ext>
   </p:extLst>
 </p:presentation>
@@ -232,7 +243,7 @@
           <a:p>
             <a:fld id="{C9CFBB87-18E0-4A0B-87C6-465E04F6E92E}" type="datetimeFigureOut">
               <a:rPr lang="zh-TW" altLang="en-US" smtClean="0"/>
-              <a:t>2019/10/14</a:t>
+              <a:t>2020/4/14</a:t>
             </a:fld>
             <a:endParaRPr lang="zh-TW" altLang="en-US"/>
           </a:p>
@@ -9081,6 +9092,13 @@
   <p:clrMapOvr>
     <a:masterClrMapping/>
   </p:clrMapOvr>
+  <p:timing>
+    <p:tnLst>
+      <p:par>
+        <p:cTn id="1" dur="indefinite" restart="never" nodeType="tmRoot"/>
+      </p:par>
+    </p:tnLst>
+  </p:timing>
 </p:sld>
 </file>
 
@@ -11719,6 +11737,13 @@
   <p:clrMapOvr>
     <a:masterClrMapping/>
   </p:clrMapOvr>
+  <p:timing>
+    <p:tnLst>
+      <p:par>
+        <p:cTn id="1" dur="indefinite" restart="never" nodeType="tmRoot"/>
+      </p:par>
+    </p:tnLst>
+  </p:timing>
 </p:sld>
 </file>
 
@@ -13316,6 +13341,13 @@
   <p:clrMapOvr>
     <a:masterClrMapping/>
   </p:clrMapOvr>
+  <p:timing>
+    <p:tnLst>
+      <p:par>
+        <p:cTn id="1" dur="indefinite" restart="never" nodeType="tmRoot"/>
+      </p:par>
+    </p:tnLst>
+  </p:timing>
 </p:sld>
 </file>
 
@@ -13419,35 +13451,35 @@
                 <a:gridCol w="874825">
                   <a:extLst>
                     <a:ext uri="{9D8B030D-6E8A-4147-A177-3AD203B41FA5}">
-                      <a16:colId xmlns:a16="http://schemas.microsoft.com/office/drawing/2014/main" xmlns="" val="3578963088"/>
+                      <a16:colId xmlns:a16="http://schemas.microsoft.com/office/drawing/2014/main" val="3578963088"/>
                     </a:ext>
                   </a:extLst>
                 </a:gridCol>
                 <a:gridCol w="874825">
                   <a:extLst>
                     <a:ext uri="{9D8B030D-6E8A-4147-A177-3AD203B41FA5}">
-                      <a16:colId xmlns:a16="http://schemas.microsoft.com/office/drawing/2014/main" xmlns="" val="1035636643"/>
+                      <a16:colId xmlns:a16="http://schemas.microsoft.com/office/drawing/2014/main" val="1035636643"/>
                     </a:ext>
                   </a:extLst>
                 </a:gridCol>
                 <a:gridCol w="874825">
                   <a:extLst>
                     <a:ext uri="{9D8B030D-6E8A-4147-A177-3AD203B41FA5}">
-                      <a16:colId xmlns:a16="http://schemas.microsoft.com/office/drawing/2014/main" xmlns="" val="2170501998"/>
+                      <a16:colId xmlns:a16="http://schemas.microsoft.com/office/drawing/2014/main" val="2170501998"/>
                     </a:ext>
                   </a:extLst>
                 </a:gridCol>
                 <a:gridCol w="874825">
                   <a:extLst>
                     <a:ext uri="{9D8B030D-6E8A-4147-A177-3AD203B41FA5}">
-                      <a16:colId xmlns:a16="http://schemas.microsoft.com/office/drawing/2014/main" xmlns="" val="3814313871"/>
+                      <a16:colId xmlns:a16="http://schemas.microsoft.com/office/drawing/2014/main" val="3814313871"/>
                     </a:ext>
                   </a:extLst>
                 </a:gridCol>
                 <a:gridCol w="874825">
                   <a:extLst>
                     <a:ext uri="{9D8B030D-6E8A-4147-A177-3AD203B41FA5}">
-                      <a16:colId xmlns:a16="http://schemas.microsoft.com/office/drawing/2014/main" xmlns="" val="49194678"/>
+                      <a16:colId xmlns:a16="http://schemas.microsoft.com/office/drawing/2014/main" val="49194678"/>
                     </a:ext>
                   </a:extLst>
                 </a:gridCol>
@@ -13545,7 +13577,7 @@
                 </a:tc>
                 <a:extLst>
                   <a:ext uri="{0D108BD9-81ED-4DB2-BD59-A6C34878D82A}">
-                    <a16:rowId xmlns:a16="http://schemas.microsoft.com/office/drawing/2014/main" xmlns="" val="4226410083"/>
+                    <a16:rowId xmlns:a16="http://schemas.microsoft.com/office/drawing/2014/main" val="4226410083"/>
                   </a:ext>
                 </a:extLst>
               </a:tr>
@@ -13642,7 +13674,7 @@
                 </a:tc>
                 <a:extLst>
                   <a:ext uri="{0D108BD9-81ED-4DB2-BD59-A6C34878D82A}">
-                    <a16:rowId xmlns:a16="http://schemas.microsoft.com/office/drawing/2014/main" xmlns="" val="2546596256"/>
+                    <a16:rowId xmlns:a16="http://schemas.microsoft.com/office/drawing/2014/main" val="2546596256"/>
                   </a:ext>
                 </a:extLst>
               </a:tr>
@@ -13739,7 +13771,7 @@
                 </a:tc>
                 <a:extLst>
                   <a:ext uri="{0D108BD9-81ED-4DB2-BD59-A6C34878D82A}">
-                    <a16:rowId xmlns:a16="http://schemas.microsoft.com/office/drawing/2014/main" xmlns="" val="972998278"/>
+                    <a16:rowId xmlns:a16="http://schemas.microsoft.com/office/drawing/2014/main" val="972998278"/>
                   </a:ext>
                 </a:extLst>
               </a:tr>
@@ -13836,7 +13868,7 @@
                 </a:tc>
                 <a:extLst>
                   <a:ext uri="{0D108BD9-81ED-4DB2-BD59-A6C34878D82A}">
-                    <a16:rowId xmlns:a16="http://schemas.microsoft.com/office/drawing/2014/main" xmlns="" val="3987450696"/>
+                    <a16:rowId xmlns:a16="http://schemas.microsoft.com/office/drawing/2014/main" val="3987450696"/>
                   </a:ext>
                 </a:extLst>
               </a:tr>
@@ -13933,7 +13965,7 @@
                 </a:tc>
                 <a:extLst>
                   <a:ext uri="{0D108BD9-81ED-4DB2-BD59-A6C34878D82A}">
-                    <a16:rowId xmlns:a16="http://schemas.microsoft.com/office/drawing/2014/main" xmlns="" val="599007287"/>
+                    <a16:rowId xmlns:a16="http://schemas.microsoft.com/office/drawing/2014/main" val="599007287"/>
                   </a:ext>
                 </a:extLst>
               </a:tr>
@@ -14030,7 +14062,7 @@
                 </a:tc>
                 <a:extLst>
                   <a:ext uri="{0D108BD9-81ED-4DB2-BD59-A6C34878D82A}">
-                    <a16:rowId xmlns:a16="http://schemas.microsoft.com/office/drawing/2014/main" xmlns="" val="1314910006"/>
+                    <a16:rowId xmlns:a16="http://schemas.microsoft.com/office/drawing/2014/main" val="1314910006"/>
                   </a:ext>
                 </a:extLst>
               </a:tr>
@@ -14127,7 +14159,7 @@
                 </a:tc>
                 <a:extLst>
                   <a:ext uri="{0D108BD9-81ED-4DB2-BD59-A6C34878D82A}">
-                    <a16:rowId xmlns:a16="http://schemas.microsoft.com/office/drawing/2014/main" xmlns="" val="2662961492"/>
+                    <a16:rowId xmlns:a16="http://schemas.microsoft.com/office/drawing/2014/main" val="2662961492"/>
                   </a:ext>
                 </a:extLst>
               </a:tr>
@@ -14673,7 +14705,7 @@
         <p:spPr>
           <a:xfrm>
             <a:off x="1452080" y="4889640"/>
-            <a:ext cx="8981626" cy="1754326"/>
+            <a:ext cx="9055364" cy="1477328"/>
           </a:xfrm>
           <a:prstGeom prst="rect">
             <a:avLst/>
@@ -14788,11 +14820,18 @@
               <a:t> </a:t>
             </a:r>
             <a:r>
+              <a:rPr lang="en-US" altLang="zh-TW" smtClean="0">
+                <a:latin typeface="微軟正黑體" panose="020B0604030504040204" pitchFamily="34" charset="-120"/>
+                <a:ea typeface="微軟正黑體" panose="020B0604030504040204" pitchFamily="34" charset="-120"/>
+              </a:rPr>
+              <a:t>(6): </a:t>
+            </a:r>
+            <a:r>
               <a:rPr lang="en-US" altLang="zh-TW" dirty="0" smtClean="0">
                 <a:latin typeface="微軟正黑體" panose="020B0604030504040204" pitchFamily="34" charset="-120"/>
                 <a:ea typeface="微軟正黑體" panose="020B0604030504040204" pitchFamily="34" charset="-120"/>
               </a:rPr>
-              <a:t>(7): {</a:t>
+              <a:t>{</a:t>
             </a:r>
             <a:r>
               <a:rPr lang="zh-TW" altLang="en-US" dirty="0" smtClean="0">
@@ -14920,7 +14959,14 @@
                 <a:latin typeface="微軟正黑體" panose="020B0604030504040204" pitchFamily="34" charset="-120"/>
                 <a:ea typeface="微軟正黑體" panose="020B0604030504040204" pitchFamily="34" charset="-120"/>
               </a:rPr>
-              <a:t> 運動鞋</a:t>
+              <a:t> </a:t>
+            </a:r>
+            <a:r>
+              <a:rPr lang="zh-TW" altLang="en-US" dirty="0" smtClean="0">
+                <a:latin typeface="微軟正黑體" panose="020B0604030504040204" pitchFamily="34" charset="-120"/>
+                <a:ea typeface="微軟正黑體" panose="020B0604030504040204" pitchFamily="34" charset="-120"/>
+              </a:rPr>
+              <a:t>運動鞋</a:t>
             </a:r>
             <a:r>
               <a:rPr lang="en-US" altLang="zh-TW" dirty="0" smtClean="0">
@@ -14948,7 +14994,7 @@
                 <a:latin typeface="微軟正黑體" panose="020B0604030504040204" pitchFamily="34" charset="-120"/>
                 <a:ea typeface="微軟正黑體" panose="020B0604030504040204" pitchFamily="34" charset="-120"/>
               </a:rPr>
-              <a:t> 運動鞋</a:t>
+              <a:t> 羽毛球</a:t>
             </a:r>
             <a:r>
               <a:rPr lang="en-US" altLang="zh-TW" dirty="0" smtClean="0">
@@ -14956,57 +15002,6 @@
                 <a:ea typeface="微軟正黑體" panose="020B0604030504040204" pitchFamily="34" charset="-120"/>
               </a:rPr>
               <a:t>}, {</a:t>
-            </a:r>
-            <a:r>
-              <a:rPr lang="zh-TW" altLang="en-US" dirty="0" smtClean="0">
-                <a:latin typeface="微軟正黑體" panose="020B0604030504040204" pitchFamily="34" charset="-120"/>
-                <a:ea typeface="微軟正黑體" panose="020B0604030504040204" pitchFamily="34" charset="-120"/>
-              </a:rPr>
-              <a:t>網球</a:t>
-            </a:r>
-            <a:r>
-              <a:rPr lang="en-US" altLang="zh-TW" dirty="0" smtClean="0">
-                <a:latin typeface="微軟正黑體" panose="020B0604030504040204" pitchFamily="34" charset="-120"/>
-                <a:ea typeface="微軟正黑體" panose="020B0604030504040204" pitchFamily="34" charset="-120"/>
-              </a:rPr>
-              <a:t>,</a:t>
-            </a:r>
-            <a:r>
-              <a:rPr lang="zh-TW" altLang="en-US" dirty="0" smtClean="0">
-                <a:latin typeface="微軟正黑體" panose="020B0604030504040204" pitchFamily="34" charset="-120"/>
-                <a:ea typeface="微軟正黑體" panose="020B0604030504040204" pitchFamily="34" charset="-120"/>
-              </a:rPr>
-              <a:t> 羽毛球</a:t>
-            </a:r>
-            <a:r>
-              <a:rPr lang="en-US" altLang="zh-TW" dirty="0" smtClean="0">
-                <a:latin typeface="微軟正黑體" panose="020B0604030504040204" pitchFamily="34" charset="-120"/>
-                <a:ea typeface="微軟正黑體" panose="020B0604030504040204" pitchFamily="34" charset="-120"/>
-              </a:rPr>
-              <a:t>}</a:t>
-            </a:r>
-          </a:p>
-          <a:p>
-            <a:r>
-              <a:rPr lang="zh-TW" altLang="en-US" dirty="0">
-                <a:latin typeface="微軟正黑體" panose="020B0604030504040204" pitchFamily="34" charset="-120"/>
-                <a:ea typeface="微軟正黑體" panose="020B0604030504040204" pitchFamily="34" charset="-120"/>
-              </a:rPr>
-              <a:t> </a:t>
-            </a:r>
-            <a:r>
-              <a:rPr lang="zh-TW" altLang="en-US" dirty="0" smtClean="0">
-                <a:latin typeface="微軟正黑體" panose="020B0604030504040204" pitchFamily="34" charset="-120"/>
-                <a:ea typeface="微軟正黑體" panose="020B0604030504040204" pitchFamily="34" charset="-120"/>
-              </a:rPr>
-              <a:t>                             </a:t>
-            </a:r>
-            <a:r>
-              <a:rPr lang="en-US" altLang="zh-TW" dirty="0" smtClean="0">
-                <a:latin typeface="微軟正黑體" panose="020B0604030504040204" pitchFamily="34" charset="-120"/>
-                <a:ea typeface="微軟正黑體" panose="020B0604030504040204" pitchFamily="34" charset="-120"/>
-              </a:rPr>
-              <a:t>{</a:t>
             </a:r>
             <a:r>
               <a:rPr lang="zh-TW" altLang="en-US" dirty="0" smtClean="0">
@@ -15264,6 +15259,13 @@
   <p:clrMapOvr>
     <a:masterClrMapping/>
   </p:clrMapOvr>
+  <p:timing>
+    <p:tnLst>
+      <p:par>
+        <p:cTn id="1" dur="indefinite" restart="never" nodeType="tmRoot"/>
+      </p:par>
+    </p:tnLst>
+  </p:timing>
 </p:sld>
 </file>
 
@@ -15367,6 +15369,13 @@
   <p:clrMapOvr>
     <a:masterClrMapping/>
   </p:clrMapOvr>
+  <p:timing>
+    <p:tnLst>
+      <p:par>
+        <p:cTn id="1" dur="indefinite" restart="never" nodeType="tmRoot"/>
+      </p:par>
+    </p:tnLst>
+  </p:timing>
 </p:sld>
 </file>
 
@@ -16227,35 +16236,35 @@
                 <a:gridCol w="874825">
                   <a:extLst>
                     <a:ext uri="{9D8B030D-6E8A-4147-A177-3AD203B41FA5}">
-                      <a16:colId xmlns:a16="http://schemas.microsoft.com/office/drawing/2014/main" xmlns="" val="3578963088"/>
+                      <a16:colId xmlns:a16="http://schemas.microsoft.com/office/drawing/2014/main" val="3578963088"/>
                     </a:ext>
                   </a:extLst>
                 </a:gridCol>
                 <a:gridCol w="874825">
                   <a:extLst>
                     <a:ext uri="{9D8B030D-6E8A-4147-A177-3AD203B41FA5}">
-                      <a16:colId xmlns:a16="http://schemas.microsoft.com/office/drawing/2014/main" xmlns="" val="1035636643"/>
+                      <a16:colId xmlns:a16="http://schemas.microsoft.com/office/drawing/2014/main" val="1035636643"/>
                     </a:ext>
                   </a:extLst>
                 </a:gridCol>
                 <a:gridCol w="874825">
                   <a:extLst>
                     <a:ext uri="{9D8B030D-6E8A-4147-A177-3AD203B41FA5}">
-                      <a16:colId xmlns:a16="http://schemas.microsoft.com/office/drawing/2014/main" xmlns="" val="2170501998"/>
+                      <a16:colId xmlns:a16="http://schemas.microsoft.com/office/drawing/2014/main" val="2170501998"/>
                     </a:ext>
                   </a:extLst>
                 </a:gridCol>
                 <a:gridCol w="874825">
                   <a:extLst>
                     <a:ext uri="{9D8B030D-6E8A-4147-A177-3AD203B41FA5}">
-                      <a16:colId xmlns:a16="http://schemas.microsoft.com/office/drawing/2014/main" xmlns="" val="3814313871"/>
+                      <a16:colId xmlns:a16="http://schemas.microsoft.com/office/drawing/2014/main" val="3814313871"/>
                     </a:ext>
                   </a:extLst>
                 </a:gridCol>
                 <a:gridCol w="874825">
                   <a:extLst>
                     <a:ext uri="{9D8B030D-6E8A-4147-A177-3AD203B41FA5}">
-                      <a16:colId xmlns:a16="http://schemas.microsoft.com/office/drawing/2014/main" xmlns="" val="49194678"/>
+                      <a16:colId xmlns:a16="http://schemas.microsoft.com/office/drawing/2014/main" val="49194678"/>
                     </a:ext>
                   </a:extLst>
                 </a:gridCol>
@@ -16353,7 +16362,7 @@
                 </a:tc>
                 <a:extLst>
                   <a:ext uri="{0D108BD9-81ED-4DB2-BD59-A6C34878D82A}">
-                    <a16:rowId xmlns:a16="http://schemas.microsoft.com/office/drawing/2014/main" xmlns="" val="4226410083"/>
+                    <a16:rowId xmlns:a16="http://schemas.microsoft.com/office/drawing/2014/main" val="4226410083"/>
                   </a:ext>
                 </a:extLst>
               </a:tr>
@@ -16450,7 +16459,7 @@
                 </a:tc>
                 <a:extLst>
                   <a:ext uri="{0D108BD9-81ED-4DB2-BD59-A6C34878D82A}">
-                    <a16:rowId xmlns:a16="http://schemas.microsoft.com/office/drawing/2014/main" xmlns="" val="2546596256"/>
+                    <a16:rowId xmlns:a16="http://schemas.microsoft.com/office/drawing/2014/main" val="2546596256"/>
                   </a:ext>
                 </a:extLst>
               </a:tr>
@@ -16547,7 +16556,7 @@
                 </a:tc>
                 <a:extLst>
                   <a:ext uri="{0D108BD9-81ED-4DB2-BD59-A6C34878D82A}">
-                    <a16:rowId xmlns:a16="http://schemas.microsoft.com/office/drawing/2014/main" xmlns="" val="972998278"/>
+                    <a16:rowId xmlns:a16="http://schemas.microsoft.com/office/drawing/2014/main" val="972998278"/>
                   </a:ext>
                 </a:extLst>
               </a:tr>
@@ -16644,7 +16653,7 @@
                 </a:tc>
                 <a:extLst>
                   <a:ext uri="{0D108BD9-81ED-4DB2-BD59-A6C34878D82A}">
-                    <a16:rowId xmlns:a16="http://schemas.microsoft.com/office/drawing/2014/main" xmlns="" val="3987450696"/>
+                    <a16:rowId xmlns:a16="http://schemas.microsoft.com/office/drawing/2014/main" val="3987450696"/>
                   </a:ext>
                 </a:extLst>
               </a:tr>
@@ -16741,7 +16750,7 @@
                 </a:tc>
                 <a:extLst>
                   <a:ext uri="{0D108BD9-81ED-4DB2-BD59-A6C34878D82A}">
-                    <a16:rowId xmlns:a16="http://schemas.microsoft.com/office/drawing/2014/main" xmlns="" val="599007287"/>
+                    <a16:rowId xmlns:a16="http://schemas.microsoft.com/office/drawing/2014/main" val="599007287"/>
                   </a:ext>
                 </a:extLst>
               </a:tr>
@@ -16838,7 +16847,7 @@
                 </a:tc>
                 <a:extLst>
                   <a:ext uri="{0D108BD9-81ED-4DB2-BD59-A6C34878D82A}">
-                    <a16:rowId xmlns:a16="http://schemas.microsoft.com/office/drawing/2014/main" xmlns="" val="1314910006"/>
+                    <a16:rowId xmlns:a16="http://schemas.microsoft.com/office/drawing/2014/main" val="1314910006"/>
                   </a:ext>
                 </a:extLst>
               </a:tr>
@@ -16935,7 +16944,7 @@
                 </a:tc>
                 <a:extLst>
                   <a:ext uri="{0D108BD9-81ED-4DB2-BD59-A6C34878D82A}">
-                    <a16:rowId xmlns:a16="http://schemas.microsoft.com/office/drawing/2014/main" xmlns="" val="2662961492"/>
+                    <a16:rowId xmlns:a16="http://schemas.microsoft.com/office/drawing/2014/main" val="2662961492"/>
                   </a:ext>
                 </a:extLst>
               </a:tr>
@@ -18462,7 +18471,7 @@
   <a:extraClrSchemeLst/>
   <a:extLst>
     <a:ext uri="{05A4C25C-085E-4340-85A3-A5531E510DB2}">
-      <thm15:themeFamily xmlns="" xmlns:thm15="http://schemas.microsoft.com/office/thememl/2012/main" name="Celestial" id="{C4BB2A3D-0E93-4C5F-B0D2-9D3FCE089CC5}" vid="{61DDDE80-2DFA-4F2A-B66F-72059846BDAA}"/>
+      <thm15:themeFamily xmlns:thm15="http://schemas.microsoft.com/office/thememl/2012/main" name="Celestial" id="{C4BB2A3D-0E93-4C5F-B0D2-9D3FCE089CC5}" vid="{61DDDE80-2DFA-4F2A-B66F-72059846BDAA}"/>
     </a:ext>
   </a:extLst>
 </a:theme>
@@ -18723,7 +18732,7 @@
   <a:extraClrSchemeLst/>
   <a:extLst>
     <a:ext uri="{05A4C25C-085E-4340-85A3-A5531E510DB2}">
-      <thm15:themeFamily xmlns="" xmlns:thm15="http://schemas.microsoft.com/office/thememl/2012/main" name="Office Theme" id="{62F939B6-93AF-4DB8-9C6B-D6C7DFDC589F}" vid="{4A3C46E8-61CC-4603-A589-7422A47A8E4A}"/>
+      <thm15:themeFamily xmlns:thm15="http://schemas.microsoft.com/office/thememl/2012/main" name="Office Theme" id="{62F939B6-93AF-4DB8-9C6B-D6C7DFDC589F}" vid="{4A3C46E8-61CC-4603-A589-7422A47A8E4A}"/>
     </a:ext>
   </a:extLst>
 </a:theme>
